--- a/Novos Paradigmas de Rede.pptx
+++ b/Novos Paradigmas de Rede.pptx
@@ -3779,7 +3779,7 @@
             <a:pPr rtl="0"/>
             <a:r>
               <a:rPr lang="pt-PT" dirty="0"/>
-              <a:t>Aplicação desenvolvida para comunicação a um salto de distância</a:t>
+              <a:t>Aplicação desenvolvida para comunicação a um salto de distância (breve explicação)</a:t>
             </a:r>
             <a:endParaRPr lang="pt-PT" dirty="0">
               <a:latin typeface="Segoe UI Light" panose="020B0502040204020203" pitchFamily="34" charset="0"/>
@@ -4215,45 +4215,66 @@
               <a:defRPr/>
             </a:pPr>
             <a:r>
-              <a:rPr lang="pt-PT" sz="1600" b="1" dirty="0">
+              <a:rPr lang="pt-PT" sz="1700" b="1" dirty="0" err="1">
                 <a:latin typeface="Calibri" panose="020F0502020204030204" pitchFamily="34" charset="0"/>
                 <a:ea typeface="Calibri" panose="020F0502020204030204" pitchFamily="34" charset="0"/>
                 <a:cs typeface="Calibri" panose="020F0502020204030204" pitchFamily="34" charset="0"/>
               </a:rPr>
-              <a:t>Single </a:t>
-            </a:r>
-            <a:r>
-              <a:rPr lang="pt-PT" sz="1600" b="1" dirty="0" err="1">
+              <a:t>Location</a:t>
+            </a:r>
+            <a:r>
+              <a:rPr lang="pt-PT" sz="1700" b="1" dirty="0">
                 <a:latin typeface="Calibri" panose="020F0502020204030204" pitchFamily="34" charset="0"/>
                 <a:ea typeface="Calibri" panose="020F0502020204030204" pitchFamily="34" charset="0"/>
                 <a:cs typeface="Calibri" panose="020F0502020204030204" pitchFamily="34" charset="0"/>
               </a:rPr>
-              <a:t>Hop</a:t>
-            </a:r>
-            <a:r>
-              <a:rPr lang="pt-PT" sz="1600" b="1" dirty="0">
+              <a:t> </a:t>
+            </a:r>
+            <a:r>
+              <a:rPr lang="pt-PT" sz="1700" b="1" dirty="0" err="1">
                 <a:latin typeface="Calibri" panose="020F0502020204030204" pitchFamily="34" charset="0"/>
                 <a:ea typeface="Calibri" panose="020F0502020204030204" pitchFamily="34" charset="0"/>
                 <a:cs typeface="Calibri" panose="020F0502020204030204" pitchFamily="34" charset="0"/>
               </a:rPr>
-              <a:t> </a:t>
-            </a:r>
-            <a:r>
-              <a:rPr lang="pt-PT" sz="1600" b="1" dirty="0" err="1">
+              <a:t>Based</a:t>
+            </a:r>
+            <a:r>
+              <a:rPr lang="pt-PT" sz="1700" b="1" dirty="0">
                 <a:latin typeface="Calibri" panose="020F0502020204030204" pitchFamily="34" charset="0"/>
                 <a:ea typeface="Calibri" panose="020F0502020204030204" pitchFamily="34" charset="0"/>
                 <a:cs typeface="Calibri" panose="020F0502020204030204" pitchFamily="34" charset="0"/>
               </a:rPr>
-              <a:t>Transmission</a:t>
-            </a:r>
-            <a:r>
-              <a:rPr lang="pt-PT" sz="1600" b="1" dirty="0">
+              <a:t> </a:t>
+            </a:r>
+            <a:r>
+              <a:rPr lang="pt-PT" sz="1700" b="1" dirty="0" err="1">
                 <a:latin typeface="Calibri" panose="020F0502020204030204" pitchFamily="34" charset="0"/>
                 <a:ea typeface="Calibri" panose="020F0502020204030204" pitchFamily="34" charset="0"/>
                 <a:cs typeface="Calibri" panose="020F0502020204030204" pitchFamily="34" charset="0"/>
               </a:rPr>
-              <a:t>;</a:t>
-            </a:r>
+              <a:t>Routing</a:t>
+            </a:r>
+            <a:r>
+              <a:rPr lang="pt-PT" sz="1700" b="1" dirty="0">
+                <a:latin typeface="Calibri" panose="020F0502020204030204" pitchFamily="34" charset="0"/>
+                <a:ea typeface="Calibri" panose="020F0502020204030204" pitchFamily="34" charset="0"/>
+                <a:cs typeface="Calibri" panose="020F0502020204030204" pitchFamily="34" charset="0"/>
+              </a:rPr>
+              <a:t> </a:t>
+            </a:r>
+            <a:r>
+              <a:rPr lang="pt-PT" sz="1700" b="1" dirty="0" err="1">
+                <a:latin typeface="Calibri" panose="020F0502020204030204" pitchFamily="34" charset="0"/>
+                <a:ea typeface="Calibri" panose="020F0502020204030204" pitchFamily="34" charset="0"/>
+                <a:cs typeface="Calibri" panose="020F0502020204030204" pitchFamily="34" charset="0"/>
+              </a:rPr>
+              <a:t>Strategy</a:t>
+            </a:r>
+            <a:endParaRPr lang="pt-PT" sz="1700" b="1" dirty="0">
+              <a:latin typeface="Calibri" panose="020F0502020204030204" pitchFamily="34" charset="0"/>
+              <a:ea typeface="Calibri" panose="020F0502020204030204" pitchFamily="34" charset="0"/>
+              <a:cs typeface="Calibri" panose="020F0502020204030204" pitchFamily="34" charset="0"/>
+            </a:endParaRPr>
           </a:p>
           <a:p>
             <a:pPr lvl="1">
@@ -4263,12 +4284,12 @@
               <a:defRPr/>
             </a:pPr>
             <a:r>
-              <a:rPr lang="pt-PT" sz="1400" dirty="0">
+              <a:rPr lang="pt-PT" sz="1600" dirty="0">
                 <a:latin typeface="Calibri" panose="020F0502020204030204" pitchFamily="34" charset="0"/>
                 <a:ea typeface="Calibri" panose="020F0502020204030204" pitchFamily="34" charset="0"/>
                 <a:cs typeface="Calibri" panose="020F0502020204030204" pitchFamily="34" charset="0"/>
               </a:rPr>
-              <a:t>Dados são transmitidos do nó origem para o destino num único salto;</a:t>
+              <a:t>Requer conhecimento prévio da localização dos nós da rede;</a:t>
             </a:r>
           </a:p>
           <a:p>
@@ -4279,28 +4300,28 @@
               <a:defRPr/>
             </a:pPr>
             <a:r>
-              <a:rPr lang="pt-PT" sz="1400" dirty="0">
+              <a:rPr lang="pt-PT" sz="1600" dirty="0">
                 <a:latin typeface="Calibri" panose="020F0502020204030204" pitchFamily="34" charset="0"/>
                 <a:ea typeface="Calibri" panose="020F0502020204030204" pitchFamily="34" charset="0"/>
                 <a:cs typeface="Calibri" panose="020F0502020204030204" pitchFamily="34" charset="0"/>
               </a:rPr>
-              <a:t>Sem passagem por nós (</a:t>
-            </a:r>
-            <a:r>
-              <a:rPr lang="pt-PT" sz="1400" dirty="0" err="1">
+              <a:t>Sem necessidade de armazenar informação nas tabelas de </a:t>
+            </a:r>
+            <a:r>
+              <a:rPr lang="pt-PT" sz="1600" dirty="0" err="1">
                 <a:latin typeface="Calibri" panose="020F0502020204030204" pitchFamily="34" charset="0"/>
                 <a:ea typeface="Calibri" panose="020F0502020204030204" pitchFamily="34" charset="0"/>
                 <a:cs typeface="Calibri" panose="020F0502020204030204" pitchFamily="34" charset="0"/>
               </a:rPr>
-              <a:t>relays</a:t>
-            </a:r>
-            <a:r>
-              <a:rPr lang="pt-PT" sz="1400" dirty="0">
+              <a:t>routing</a:t>
+            </a:r>
+            <a:r>
+              <a:rPr lang="pt-PT" sz="1600" dirty="0">
                 <a:latin typeface="Calibri" panose="020F0502020204030204" pitchFamily="34" charset="0"/>
                 <a:ea typeface="Calibri" panose="020F0502020204030204" pitchFamily="34" charset="0"/>
                 <a:cs typeface="Calibri" panose="020F0502020204030204" pitchFamily="34" charset="0"/>
               </a:rPr>
-              <a:t>) intermédios;</a:t>
+              <a:t>;</a:t>
             </a:r>
           </a:p>
           <a:p>
@@ -4311,12 +4332,12 @@
               <a:defRPr/>
             </a:pPr>
             <a:r>
-              <a:rPr lang="pt-PT" sz="1400" dirty="0">
+              <a:rPr lang="pt-PT" sz="1600" dirty="0">
                 <a:latin typeface="Calibri" panose="020F0502020204030204" pitchFamily="34" charset="0"/>
                 <a:ea typeface="Calibri" panose="020F0502020204030204" pitchFamily="34" charset="0"/>
                 <a:cs typeface="Calibri" panose="020F0502020204030204" pitchFamily="34" charset="0"/>
               </a:rPr>
-              <a:t>Baixa exigência de recursos/custos para transmissão da mensagem;</a:t>
+              <a:t>Melhor caminho estimado a partir da origem, destino e nós intermediários;</a:t>
             </a:r>
           </a:p>
           <a:p>
@@ -4327,12 +4348,12 @@
               <a:defRPr/>
             </a:pPr>
             <a:r>
-              <a:rPr lang="pt-PT" sz="1400" dirty="0">
+              <a:rPr lang="pt-PT" sz="1600" dirty="0">
                 <a:latin typeface="Calibri" panose="020F0502020204030204" pitchFamily="34" charset="0"/>
                 <a:ea typeface="Calibri" panose="020F0502020204030204" pitchFamily="34" charset="0"/>
                 <a:cs typeface="Calibri" panose="020F0502020204030204" pitchFamily="34" charset="0"/>
               </a:rPr>
-              <a:t>Desvantagem: atrasos e baixa probabilidade em transmissão de saltos únicos</a:t>
+              <a:t>Baixa performance quando nós se encontram em movimento.</a:t>
             </a:r>
           </a:p>
         </p:txBody>
@@ -4449,8 +4470,8 @@
         </p:nvSpPr>
         <p:spPr>
           <a:xfrm>
-            <a:off x="2411332" y="1635541"/>
-            <a:ext cx="7369335" cy="4903804"/>
+            <a:off x="2411332" y="2009614"/>
+            <a:ext cx="7369335" cy="3850859"/>
           </a:xfrm>
           <a:prstGeom prst="rect">
             <a:avLst/>
@@ -4661,62 +4682,6 @@
               </a:spcAft>
               <a:defRPr/>
             </a:pPr>
-            <a:r>
-              <a:rPr lang="pt-PT" sz="1600" dirty="0" err="1">
-                <a:latin typeface="Calibri" panose="020F0502020204030204" pitchFamily="34" charset="0"/>
-                <a:ea typeface="Calibri" panose="020F0502020204030204" pitchFamily="34" charset="0"/>
-                <a:cs typeface="Calibri" panose="020F0502020204030204" pitchFamily="34" charset="0"/>
-              </a:rPr>
-              <a:t>Location</a:t>
-            </a:r>
-            <a:r>
-              <a:rPr lang="pt-PT" sz="1600" dirty="0">
-                <a:latin typeface="Calibri" panose="020F0502020204030204" pitchFamily="34" charset="0"/>
-                <a:ea typeface="Calibri" panose="020F0502020204030204" pitchFamily="34" charset="0"/>
-                <a:cs typeface="Calibri" panose="020F0502020204030204" pitchFamily="34" charset="0"/>
-              </a:rPr>
-              <a:t> </a:t>
-            </a:r>
-            <a:r>
-              <a:rPr lang="pt-PT" sz="1600" dirty="0" err="1">
-                <a:latin typeface="Calibri" panose="020F0502020204030204" pitchFamily="34" charset="0"/>
-                <a:ea typeface="Calibri" panose="020F0502020204030204" pitchFamily="34" charset="0"/>
-                <a:cs typeface="Calibri" panose="020F0502020204030204" pitchFamily="34" charset="0"/>
-              </a:rPr>
-              <a:t>Based</a:t>
-            </a:r>
-            <a:r>
-              <a:rPr lang="pt-PT" sz="1600" dirty="0">
-                <a:latin typeface="Calibri" panose="020F0502020204030204" pitchFamily="34" charset="0"/>
-                <a:ea typeface="Calibri" panose="020F0502020204030204" pitchFamily="34" charset="0"/>
-                <a:cs typeface="Calibri" panose="020F0502020204030204" pitchFamily="34" charset="0"/>
-              </a:rPr>
-              <a:t> </a:t>
-            </a:r>
-            <a:r>
-              <a:rPr lang="pt-PT" sz="1600" dirty="0" err="1">
-                <a:latin typeface="Calibri" panose="020F0502020204030204" pitchFamily="34" charset="0"/>
-                <a:ea typeface="Calibri" panose="020F0502020204030204" pitchFamily="34" charset="0"/>
-                <a:cs typeface="Calibri" panose="020F0502020204030204" pitchFamily="34" charset="0"/>
-              </a:rPr>
-              <a:t>Routing</a:t>
-            </a:r>
-            <a:r>
-              <a:rPr lang="pt-PT" sz="1600" dirty="0">
-                <a:latin typeface="Calibri" panose="020F0502020204030204" pitchFamily="34" charset="0"/>
-                <a:ea typeface="Calibri" panose="020F0502020204030204" pitchFamily="34" charset="0"/>
-                <a:cs typeface="Calibri" panose="020F0502020204030204" pitchFamily="34" charset="0"/>
-              </a:rPr>
-              <a:t> </a:t>
-            </a:r>
-            <a:r>
-              <a:rPr lang="pt-PT" sz="1600" dirty="0" err="1">
-                <a:latin typeface="Calibri" panose="020F0502020204030204" pitchFamily="34" charset="0"/>
-                <a:ea typeface="Calibri" panose="020F0502020204030204" pitchFamily="34" charset="0"/>
-                <a:cs typeface="Calibri" panose="020F0502020204030204" pitchFamily="34" charset="0"/>
-              </a:rPr>
-              <a:t>Strategy</a:t>
-            </a:r>
             <a:endParaRPr lang="pt-PT" sz="1600" dirty="0">
               <a:latin typeface="Calibri" panose="020F0502020204030204" pitchFamily="34" charset="0"/>
               <a:ea typeface="Calibri" panose="020F0502020204030204" pitchFamily="34" charset="0"/>
@@ -4730,91 +4695,51 @@
               </a:spcAft>
               <a:defRPr/>
             </a:pPr>
-            <a:endParaRPr lang="pt-PT" sz="1600" dirty="0">
+            <a:r>
+              <a:rPr lang="pt-PT" sz="1700" b="1" dirty="0" err="1">
+                <a:latin typeface="Calibri" panose="020F0502020204030204" pitchFamily="34" charset="0"/>
+                <a:ea typeface="Calibri" panose="020F0502020204030204" pitchFamily="34" charset="0"/>
+                <a:cs typeface="Calibri" panose="020F0502020204030204" pitchFamily="34" charset="0"/>
+              </a:rPr>
+              <a:t>Tree</a:t>
+            </a:r>
+            <a:r>
+              <a:rPr lang="pt-PT" sz="1700" b="1" dirty="0">
+                <a:latin typeface="Calibri" panose="020F0502020204030204" pitchFamily="34" charset="0"/>
+                <a:ea typeface="Calibri" panose="020F0502020204030204" pitchFamily="34" charset="0"/>
+                <a:cs typeface="Calibri" panose="020F0502020204030204" pitchFamily="34" charset="0"/>
+              </a:rPr>
+              <a:t> </a:t>
+            </a:r>
+            <a:r>
+              <a:rPr lang="pt-PT" sz="1700" b="1" dirty="0" err="1">
+                <a:latin typeface="Calibri" panose="020F0502020204030204" pitchFamily="34" charset="0"/>
+                <a:ea typeface="Calibri" panose="020F0502020204030204" pitchFamily="34" charset="0"/>
+                <a:cs typeface="Calibri" panose="020F0502020204030204" pitchFamily="34" charset="0"/>
+              </a:rPr>
+              <a:t>Based</a:t>
+            </a:r>
+            <a:r>
+              <a:rPr lang="pt-PT" sz="1700" b="1" dirty="0">
+                <a:latin typeface="Calibri" panose="020F0502020204030204" pitchFamily="34" charset="0"/>
+                <a:ea typeface="Calibri" panose="020F0502020204030204" pitchFamily="34" charset="0"/>
+                <a:cs typeface="Calibri" panose="020F0502020204030204" pitchFamily="34" charset="0"/>
+              </a:rPr>
+              <a:t> </a:t>
+            </a:r>
+            <a:r>
+              <a:rPr lang="pt-PT" sz="1700" b="1" dirty="0" err="1">
+                <a:latin typeface="Calibri" panose="020F0502020204030204" pitchFamily="34" charset="0"/>
+                <a:ea typeface="Calibri" panose="020F0502020204030204" pitchFamily="34" charset="0"/>
+                <a:cs typeface="Calibri" panose="020F0502020204030204" pitchFamily="34" charset="0"/>
+              </a:rPr>
+              <a:t>Flooding</a:t>
+            </a:r>
+            <a:endParaRPr lang="pt-PT" sz="1700" b="1" dirty="0">
               <a:latin typeface="Calibri" panose="020F0502020204030204" pitchFamily="34" charset="0"/>
               <a:ea typeface="Calibri" panose="020F0502020204030204" pitchFamily="34" charset="0"/>
               <a:cs typeface="Calibri" panose="020F0502020204030204" pitchFamily="34" charset="0"/>
             </a:endParaRPr>
-          </a:p>
-          <a:p>
-            <a:pPr lvl="1">
-              <a:spcAft>
-                <a:spcPts val="600"/>
-              </a:spcAft>
-              <a:defRPr/>
-            </a:pPr>
-            <a:r>
-              <a:rPr lang="pt-PT" sz="1600" dirty="0">
-                <a:latin typeface="Calibri" panose="020F0502020204030204" pitchFamily="34" charset="0"/>
-                <a:ea typeface="Calibri" panose="020F0502020204030204" pitchFamily="34" charset="0"/>
-                <a:cs typeface="Calibri" panose="020F0502020204030204" pitchFamily="34" charset="0"/>
-              </a:rPr>
-              <a:t>Requer conhecimento prévio da localização dos nós da rede;</a:t>
-            </a:r>
-          </a:p>
-          <a:p>
-            <a:pPr lvl="1">
-              <a:spcAft>
-                <a:spcPts val="600"/>
-              </a:spcAft>
-              <a:defRPr/>
-            </a:pPr>
-            <a:r>
-              <a:rPr lang="pt-PT" sz="1600" dirty="0">
-                <a:latin typeface="Calibri" panose="020F0502020204030204" pitchFamily="34" charset="0"/>
-                <a:ea typeface="Calibri" panose="020F0502020204030204" pitchFamily="34" charset="0"/>
-                <a:cs typeface="Calibri" panose="020F0502020204030204" pitchFamily="34" charset="0"/>
-              </a:rPr>
-              <a:t>Sem necessidade de armazenar informação nas tabelas de </a:t>
-            </a:r>
-            <a:r>
-              <a:rPr lang="pt-PT" sz="1600" dirty="0" err="1">
-                <a:latin typeface="Calibri" panose="020F0502020204030204" pitchFamily="34" charset="0"/>
-                <a:ea typeface="Calibri" panose="020F0502020204030204" pitchFamily="34" charset="0"/>
-                <a:cs typeface="Calibri" panose="020F0502020204030204" pitchFamily="34" charset="0"/>
-              </a:rPr>
-              <a:t>routing</a:t>
-            </a:r>
-            <a:r>
-              <a:rPr lang="pt-PT" sz="1600" dirty="0">
-                <a:latin typeface="Calibri" panose="020F0502020204030204" pitchFamily="34" charset="0"/>
-                <a:ea typeface="Calibri" panose="020F0502020204030204" pitchFamily="34" charset="0"/>
-                <a:cs typeface="Calibri" panose="020F0502020204030204" pitchFamily="34" charset="0"/>
-              </a:rPr>
-              <a:t>;</a:t>
-            </a:r>
-          </a:p>
-          <a:p>
-            <a:pPr lvl="1">
-              <a:spcAft>
-                <a:spcPts val="600"/>
-              </a:spcAft>
-              <a:defRPr/>
-            </a:pPr>
-            <a:r>
-              <a:rPr lang="pt-PT" sz="1600" dirty="0">
-                <a:latin typeface="Calibri" panose="020F0502020204030204" pitchFamily="34" charset="0"/>
-                <a:ea typeface="Calibri" panose="020F0502020204030204" pitchFamily="34" charset="0"/>
-                <a:cs typeface="Calibri" panose="020F0502020204030204" pitchFamily="34" charset="0"/>
-              </a:rPr>
-              <a:t>Melhor caminho estimado a partir da origem, destino e nós intermediários;</a:t>
-            </a:r>
-          </a:p>
-          <a:p>
-            <a:pPr lvl="1">
-              <a:spcAft>
-                <a:spcPts val="600"/>
-              </a:spcAft>
-              <a:defRPr/>
-            </a:pPr>
-            <a:r>
-              <a:rPr lang="pt-PT" sz="1600" dirty="0">
-                <a:latin typeface="Calibri" panose="020F0502020204030204" pitchFamily="34" charset="0"/>
-                <a:ea typeface="Calibri" panose="020F0502020204030204" pitchFamily="34" charset="0"/>
-                <a:cs typeface="Calibri" panose="020F0502020204030204" pitchFamily="34" charset="0"/>
-              </a:rPr>
-              <a:t>Baixa performance quando nós se encontram em movimento.</a:t>
-            </a:r>
           </a:p>
           <a:p>
             <a:pPr>
@@ -4823,60 +4748,7 @@
               </a:spcAft>
               <a:defRPr/>
             </a:pPr>
-            <a:endParaRPr lang="pt-PT" sz="1600" dirty="0">
-              <a:latin typeface="Calibri" panose="020F0502020204030204" pitchFamily="34" charset="0"/>
-              <a:ea typeface="Calibri" panose="020F0502020204030204" pitchFamily="34" charset="0"/>
-              <a:cs typeface="Calibri" panose="020F0502020204030204" pitchFamily="34" charset="0"/>
-            </a:endParaRPr>
-          </a:p>
-          <a:p>
-            <a:pPr>
-              <a:spcAft>
-                <a:spcPts val="600"/>
-              </a:spcAft>
-              <a:defRPr/>
-            </a:pPr>
-            <a:r>
-              <a:rPr lang="pt-PT" sz="1600" dirty="0" err="1">
-                <a:latin typeface="Calibri" panose="020F0502020204030204" pitchFamily="34" charset="0"/>
-                <a:ea typeface="Calibri" panose="020F0502020204030204" pitchFamily="34" charset="0"/>
-                <a:cs typeface="Calibri" panose="020F0502020204030204" pitchFamily="34" charset="0"/>
-              </a:rPr>
-              <a:t>Tree</a:t>
-            </a:r>
-            <a:r>
-              <a:rPr lang="pt-PT" sz="1600" dirty="0">
-                <a:latin typeface="Calibri" panose="020F0502020204030204" pitchFamily="34" charset="0"/>
-                <a:ea typeface="Calibri" panose="020F0502020204030204" pitchFamily="34" charset="0"/>
-                <a:cs typeface="Calibri" panose="020F0502020204030204" pitchFamily="34" charset="0"/>
-              </a:rPr>
-              <a:t> </a:t>
-            </a:r>
-            <a:r>
-              <a:rPr lang="pt-PT" sz="1600" dirty="0" err="1">
-                <a:latin typeface="Calibri" panose="020F0502020204030204" pitchFamily="34" charset="0"/>
-                <a:ea typeface="Calibri" panose="020F0502020204030204" pitchFamily="34" charset="0"/>
-                <a:cs typeface="Calibri" panose="020F0502020204030204" pitchFamily="34" charset="0"/>
-              </a:rPr>
-              <a:t>Based</a:t>
-            </a:r>
-            <a:r>
-              <a:rPr lang="pt-PT" sz="1600" dirty="0">
-                <a:latin typeface="Calibri" panose="020F0502020204030204" pitchFamily="34" charset="0"/>
-                <a:ea typeface="Calibri" panose="020F0502020204030204" pitchFamily="34" charset="0"/>
-                <a:cs typeface="Calibri" panose="020F0502020204030204" pitchFamily="34" charset="0"/>
-              </a:rPr>
-              <a:t> </a:t>
-            </a:r>
-            <a:r>
-              <a:rPr lang="pt-PT" sz="1600" dirty="0" err="1">
-                <a:latin typeface="Calibri" panose="020F0502020204030204" pitchFamily="34" charset="0"/>
-                <a:ea typeface="Calibri" panose="020F0502020204030204" pitchFamily="34" charset="0"/>
-                <a:cs typeface="Calibri" panose="020F0502020204030204" pitchFamily="34" charset="0"/>
-              </a:rPr>
-              <a:t>Flooding</a:t>
-            </a:r>
-            <a:endParaRPr lang="pt-PT" sz="1600" dirty="0">
+            <a:endParaRPr lang="pt-PT" sz="1600" b="1" dirty="0">
               <a:latin typeface="Calibri" panose="020F0502020204030204" pitchFamily="34" charset="0"/>
               <a:ea typeface="Calibri" panose="020F0502020204030204" pitchFamily="34" charset="0"/>
               <a:cs typeface="Calibri" panose="020F0502020204030204" pitchFamily="34" charset="0"/>
